--- a/Definition.pptx
+++ b/Definition.pptx
@@ -292,7 +292,7 @@
             <a:fld id="{1D8BD707-D9CF-40AE-B4C6-C98DA3205C09}" type="datetimeFigureOut">
               <a:rPr lang="en-US" smtClean="0"/>
               <a:pPr/>
-              <a:t>2016-08-02</a:t>
+              <a:t>2016-08-08</a:t>
             </a:fld>
             <a:endParaRPr lang="en-US"/>
           </a:p>
@@ -459,7 +459,7 @@
             <a:fld id="{1D8BD707-D9CF-40AE-B4C6-C98DA3205C09}" type="datetimeFigureOut">
               <a:rPr lang="en-US" smtClean="0"/>
               <a:pPr/>
-              <a:t>2016-08-02</a:t>
+              <a:t>2016-08-08</a:t>
             </a:fld>
             <a:endParaRPr lang="en-US"/>
           </a:p>
@@ -636,7 +636,7 @@
             <a:fld id="{1D8BD707-D9CF-40AE-B4C6-C98DA3205C09}" type="datetimeFigureOut">
               <a:rPr lang="en-US" smtClean="0"/>
               <a:pPr/>
-              <a:t>2016-08-02</a:t>
+              <a:t>2016-08-08</a:t>
             </a:fld>
             <a:endParaRPr lang="en-US"/>
           </a:p>
@@ -803,7 +803,7 @@
             <a:fld id="{1D8BD707-D9CF-40AE-B4C6-C98DA3205C09}" type="datetimeFigureOut">
               <a:rPr lang="en-US" smtClean="0"/>
               <a:pPr/>
-              <a:t>2016-08-02</a:t>
+              <a:t>2016-08-08</a:t>
             </a:fld>
             <a:endParaRPr lang="en-US"/>
           </a:p>
@@ -1046,7 +1046,7 @@
             <a:fld id="{1D8BD707-D9CF-40AE-B4C6-C98DA3205C09}" type="datetimeFigureOut">
               <a:rPr lang="en-US" smtClean="0"/>
               <a:pPr/>
-              <a:t>2016-08-02</a:t>
+              <a:t>2016-08-08</a:t>
             </a:fld>
             <a:endParaRPr lang="en-US"/>
           </a:p>
@@ -1331,7 +1331,7 @@
             <a:fld id="{1D8BD707-D9CF-40AE-B4C6-C98DA3205C09}" type="datetimeFigureOut">
               <a:rPr lang="en-US" smtClean="0"/>
               <a:pPr/>
-              <a:t>2016-08-02</a:t>
+              <a:t>2016-08-08</a:t>
             </a:fld>
             <a:endParaRPr lang="en-US"/>
           </a:p>
@@ -1750,7 +1750,7 @@
             <a:fld id="{1D8BD707-D9CF-40AE-B4C6-C98DA3205C09}" type="datetimeFigureOut">
               <a:rPr lang="en-US" smtClean="0"/>
               <a:pPr/>
-              <a:t>2016-08-02</a:t>
+              <a:t>2016-08-08</a:t>
             </a:fld>
             <a:endParaRPr lang="en-US"/>
           </a:p>
@@ -1865,7 +1865,7 @@
             <a:fld id="{1D8BD707-D9CF-40AE-B4C6-C98DA3205C09}" type="datetimeFigureOut">
               <a:rPr lang="en-US" smtClean="0"/>
               <a:pPr/>
-              <a:t>2016-08-02</a:t>
+              <a:t>2016-08-08</a:t>
             </a:fld>
             <a:endParaRPr lang="en-US"/>
           </a:p>
@@ -1957,7 +1957,7 @@
             <a:fld id="{1D8BD707-D9CF-40AE-B4C6-C98DA3205C09}" type="datetimeFigureOut">
               <a:rPr lang="en-US" smtClean="0"/>
               <a:pPr/>
-              <a:t>2016-08-02</a:t>
+              <a:t>2016-08-08</a:t>
             </a:fld>
             <a:endParaRPr lang="en-US"/>
           </a:p>
@@ -2231,7 +2231,7 @@
             <a:fld id="{1D8BD707-D9CF-40AE-B4C6-C98DA3205C09}" type="datetimeFigureOut">
               <a:rPr lang="en-US" smtClean="0"/>
               <a:pPr/>
-              <a:t>2016-08-02</a:t>
+              <a:t>2016-08-08</a:t>
             </a:fld>
             <a:endParaRPr lang="en-US"/>
           </a:p>
@@ -2481,7 +2481,7 @@
             <a:fld id="{1D8BD707-D9CF-40AE-B4C6-C98DA3205C09}" type="datetimeFigureOut">
               <a:rPr lang="en-US" smtClean="0"/>
               <a:pPr/>
-              <a:t>2016-08-02</a:t>
+              <a:t>2016-08-08</a:t>
             </a:fld>
             <a:endParaRPr lang="en-US"/>
           </a:p>
@@ -2691,7 +2691,7 @@
             <a:fld id="{1D8BD707-D9CF-40AE-B4C6-C98DA3205C09}" type="datetimeFigureOut">
               <a:rPr lang="en-US" smtClean="0"/>
               <a:pPr/>
-              <a:t>2016-08-02</a:t>
+              <a:t>2016-08-08</a:t>
             </a:fld>
             <a:endParaRPr lang="en-US"/>
           </a:p>
@@ -3881,7 +3881,7 @@
           <a:p>
             <a:r>
               <a:rPr lang="en-US" dirty="0" err="1" smtClean="0"/>
-              <a:t>mrid_Rx</a:t>
+              <a:t>grid_Rx</a:t>
             </a:r>
             <a:endParaRPr lang="en-US" dirty="0"/>
           </a:p>
@@ -3926,8 +3926,12 @@
           </a:lstStyle>
           <a:p>
             <a:r>
+              <a:rPr lang="en-US" dirty="0" err="1"/>
+              <a:t>g</a:t>
+            </a:r>
+            <a:r>
               <a:rPr lang="en-US" dirty="0" err="1" smtClean="0"/>
-              <a:t>mrid_Ry</a:t>
+              <a:t>rid_Ry</a:t>
             </a:r>
             <a:endParaRPr lang="en-US" dirty="0"/>
           </a:p>
@@ -4021,7 +4025,7 @@
         </p:nvGrpSpPr>
         <p:grpSpPr>
           <a:xfrm>
-            <a:off x="993044" y="2438400"/>
+            <a:off x="993044" y="1482725"/>
             <a:ext cx="3121756" cy="2819400"/>
             <a:chOff x="993044" y="2438400"/>
             <a:chExt cx="3121756" cy="2819400"/>
@@ -5626,7 +5630,200 @@
               <a:rPr lang="en-US" sz="2400" dirty="0"/>
               <a:t>Hartmann</a:t>
             </a:r>
-            <a:endParaRPr lang="en-US" sz="2400" dirty="0"/>
+          </a:p>
+        </p:txBody>
+      </p:sp>
+      <p:sp>
+        <p:nvSpPr>
+          <p:cNvPr id="57" name="Plus 56"/>
+          <p:cNvSpPr/>
+          <p:nvPr/>
+        </p:nvSpPr>
+        <p:spPr>
+          <a:xfrm>
+            <a:off x="914400" y="4572000"/>
+            <a:ext cx="1828800" cy="1828800"/>
+          </a:xfrm>
+          <a:prstGeom prst="mathPlus">
+            <a:avLst>
+              <a:gd name="adj1" fmla="val 0"/>
+            </a:avLst>
+          </a:prstGeom>
+          <a:noFill/>
+          <a:ln w="19050">
+            <a:solidFill>
+              <a:srgbClr val="D5D5D5"/>
+            </a:solidFill>
+            <a:prstDash val="solid"/>
+          </a:ln>
+        </p:spPr>
+        <p:style>
+          <a:lnRef idx="2">
+            <a:schemeClr val="accent1">
+              <a:shade val="50000"/>
+            </a:schemeClr>
+          </a:lnRef>
+          <a:fillRef idx="1">
+            <a:schemeClr val="accent1"/>
+          </a:fillRef>
+          <a:effectRef idx="0">
+            <a:schemeClr val="accent1"/>
+          </a:effectRef>
+          <a:fontRef idx="minor">
+            <a:schemeClr val="lt1"/>
+          </a:fontRef>
+        </p:style>
+        <p:txBody>
+          <a:bodyPr rtlCol="0" anchor="ctr"/>
+          <a:lstStyle/>
+          <a:p>
+            <a:pPr algn="ctr"/>
+            <a:endParaRPr lang="en-US"/>
+          </a:p>
+        </p:txBody>
+      </p:sp>
+      <p:sp>
+        <p:nvSpPr>
+          <p:cNvPr id="55" name="Plus 54"/>
+          <p:cNvSpPr/>
+          <p:nvPr/>
+        </p:nvSpPr>
+        <p:spPr>
+          <a:xfrm rot="2030231">
+            <a:off x="914399" y="4581524"/>
+            <a:ext cx="1828800" cy="1828800"/>
+          </a:xfrm>
+          <a:prstGeom prst="mathPlus">
+            <a:avLst>
+              <a:gd name="adj1" fmla="val 0"/>
+            </a:avLst>
+          </a:prstGeom>
+          <a:noFill/>
+          <a:ln>
+            <a:solidFill>
+              <a:schemeClr val="tx1">
+                <a:lumMod val="50000"/>
+                <a:lumOff val="50000"/>
+              </a:schemeClr>
+            </a:solidFill>
+          </a:ln>
+        </p:spPr>
+        <p:style>
+          <a:lnRef idx="2">
+            <a:schemeClr val="accent1">
+              <a:shade val="50000"/>
+            </a:schemeClr>
+          </a:lnRef>
+          <a:fillRef idx="1">
+            <a:schemeClr val="accent1"/>
+          </a:fillRef>
+          <a:effectRef idx="0">
+            <a:schemeClr val="accent1"/>
+          </a:effectRef>
+          <a:fontRef idx="minor">
+            <a:schemeClr val="lt1"/>
+          </a:fontRef>
+        </p:style>
+        <p:txBody>
+          <a:bodyPr rtlCol="0" anchor="ctr"/>
+          <a:lstStyle/>
+          <a:p>
+            <a:pPr algn="ctr"/>
+            <a:endParaRPr lang="en-US"/>
+          </a:p>
+        </p:txBody>
+      </p:sp>
+      <p:sp>
+        <p:nvSpPr>
+          <p:cNvPr id="3" name="Arc 2"/>
+          <p:cNvSpPr/>
+          <p:nvPr/>
+        </p:nvSpPr>
+        <p:spPr>
+          <a:xfrm rot="4157675">
+            <a:off x="1888562" y="5435382"/>
+            <a:ext cx="182880" cy="182880"/>
+          </a:xfrm>
+          <a:prstGeom prst="arc">
+            <a:avLst/>
+          </a:prstGeom>
+          <a:ln>
+            <a:solidFill>
+              <a:schemeClr val="tx1"/>
+            </a:solidFill>
+          </a:ln>
+        </p:spPr>
+        <p:style>
+          <a:lnRef idx="1">
+            <a:schemeClr val="accent1"/>
+          </a:lnRef>
+          <a:fillRef idx="0">
+            <a:schemeClr val="accent1"/>
+          </a:fillRef>
+          <a:effectRef idx="0">
+            <a:schemeClr val="accent1"/>
+          </a:effectRef>
+          <a:fontRef idx="minor">
+            <a:schemeClr val="tx1"/>
+          </a:fontRef>
+        </p:style>
+        <p:txBody>
+          <a:bodyPr rtlCol="0" anchor="ctr"/>
+          <a:lstStyle/>
+          <a:p>
+            <a:pPr algn="ctr"/>
+            <a:endParaRPr lang="en-US"/>
+          </a:p>
+        </p:txBody>
+      </p:sp>
+      <p:sp>
+        <p:nvSpPr>
+          <p:cNvPr id="60" name="Rectangle 59"/>
+          <p:cNvSpPr/>
+          <p:nvPr/>
+        </p:nvSpPr>
+        <p:spPr>
+          <a:xfrm>
+            <a:off x="2062920" y="5407223"/>
+            <a:ext cx="1366080" cy="307777"/>
+          </a:xfrm>
+          <a:prstGeom prst="rect">
+            <a:avLst/>
+          </a:prstGeom>
+          <a:noFill/>
+        </p:spPr>
+        <p:txBody>
+          <a:bodyPr wrap="none">
+            <a:spAutoFit/>
+          </a:bodyPr>
+          <a:lstStyle/>
+          <a:p>
+            <a:pPr lvl="0" algn="ctr" fontAlgn="base">
+              <a:spcBef>
+                <a:spcPct val="0"/>
+              </a:spcBef>
+              <a:spcAft>
+                <a:spcPct val="0"/>
+              </a:spcAft>
+            </a:pPr>
+            <a:r>
+              <a:rPr lang="en-US" altLang="en-US" sz="1400" b="1" dirty="0">
+                <a:latin typeface="Courier New" pitchFamily="49" charset="0"/>
+                <a:cs typeface="Courier New" pitchFamily="49" charset="0"/>
+              </a:rPr>
+              <a:t>_</a:t>
+            </a:r>
+            <a:r>
+              <a:rPr lang="en-US" altLang="en-US" sz="1400" b="1" dirty="0" err="1" smtClean="0">
+                <a:latin typeface="Courier New" pitchFamily="49" charset="0"/>
+                <a:cs typeface="Courier New" pitchFamily="49" charset="0"/>
+              </a:rPr>
+              <a:t>grid_angle</a:t>
+            </a:r>
+            <a:endParaRPr lang="en-US" altLang="en-US" sz="1400" b="1" dirty="0">
+              <a:latin typeface="Arial" pitchFamily="34" charset="0"/>
+              <a:cs typeface="Arial" pitchFamily="34" charset="0"/>
+            </a:endParaRPr>
           </a:p>
         </p:txBody>
       </p:sp>
